--- a/documents/hermes.pptx
+++ b/documents/hermes.pptx
@@ -275,7 +275,7 @@
           <a:p>
             <a:fld id="{339FB809-ECA4-45EA-95FF-86F7DDCC0B1C}" type="datetimeFigureOut">
               <a:rPr lang="de-CH" smtClean="0"/>
-              <a:t>24.07.2019</a:t>
+              <a:t>05.01.2021</a:t>
             </a:fld>
             <a:endParaRPr lang="de-CH"/>
           </a:p>
@@ -329,7 +329,7 @@
           <a:p>
             <a:fld id="{92536F4F-1F86-45E3-869B-46CDDA5D96A7}" type="slidenum">
               <a:rPr lang="de-CH" smtClean="0"/>
-              <a:t>‹Nr.›</a:t>
+              <a:t>‹#›</a:t>
             </a:fld>
             <a:endParaRPr lang="de-CH"/>
           </a:p>
@@ -475,7 +475,7 @@
           <a:p>
             <a:fld id="{339FB809-ECA4-45EA-95FF-86F7DDCC0B1C}" type="datetimeFigureOut">
               <a:rPr lang="de-CH" smtClean="0"/>
-              <a:t>24.07.2019</a:t>
+              <a:t>05.01.2021</a:t>
             </a:fld>
             <a:endParaRPr lang="de-CH"/>
           </a:p>
@@ -529,7 +529,7 @@
           <a:p>
             <a:fld id="{92536F4F-1F86-45E3-869B-46CDDA5D96A7}" type="slidenum">
               <a:rPr lang="de-CH" smtClean="0"/>
-              <a:t>‹Nr.›</a:t>
+              <a:t>‹#›</a:t>
             </a:fld>
             <a:endParaRPr lang="de-CH"/>
           </a:p>
@@ -685,7 +685,7 @@
           <a:p>
             <a:fld id="{339FB809-ECA4-45EA-95FF-86F7DDCC0B1C}" type="datetimeFigureOut">
               <a:rPr lang="de-CH" smtClean="0"/>
-              <a:t>24.07.2019</a:t>
+              <a:t>05.01.2021</a:t>
             </a:fld>
             <a:endParaRPr lang="de-CH"/>
           </a:p>
@@ -739,7 +739,7 @@
           <a:p>
             <a:fld id="{92536F4F-1F86-45E3-869B-46CDDA5D96A7}" type="slidenum">
               <a:rPr lang="de-CH" smtClean="0"/>
-              <a:t>‹Nr.›</a:t>
+              <a:t>‹#›</a:t>
             </a:fld>
             <a:endParaRPr lang="de-CH"/>
           </a:p>
@@ -885,7 +885,7 @@
           <a:p>
             <a:fld id="{339FB809-ECA4-45EA-95FF-86F7DDCC0B1C}" type="datetimeFigureOut">
               <a:rPr lang="de-CH" smtClean="0"/>
-              <a:t>24.07.2019</a:t>
+              <a:t>05.01.2021</a:t>
             </a:fld>
             <a:endParaRPr lang="de-CH"/>
           </a:p>
@@ -939,7 +939,7 @@
           <a:p>
             <a:fld id="{92536F4F-1F86-45E3-869B-46CDDA5D96A7}" type="slidenum">
               <a:rPr lang="de-CH" smtClean="0"/>
-              <a:t>‹Nr.›</a:t>
+              <a:t>‹#›</a:t>
             </a:fld>
             <a:endParaRPr lang="de-CH"/>
           </a:p>
@@ -1161,7 +1161,7 @@
           <a:p>
             <a:fld id="{339FB809-ECA4-45EA-95FF-86F7DDCC0B1C}" type="datetimeFigureOut">
               <a:rPr lang="de-CH" smtClean="0"/>
-              <a:t>24.07.2019</a:t>
+              <a:t>05.01.2021</a:t>
             </a:fld>
             <a:endParaRPr lang="de-CH"/>
           </a:p>
@@ -1215,7 +1215,7 @@
           <a:p>
             <a:fld id="{92536F4F-1F86-45E3-869B-46CDDA5D96A7}" type="slidenum">
               <a:rPr lang="de-CH" smtClean="0"/>
-              <a:t>‹Nr.›</a:t>
+              <a:t>‹#›</a:t>
             </a:fld>
             <a:endParaRPr lang="de-CH"/>
           </a:p>
@@ -1429,7 +1429,7 @@
           <a:p>
             <a:fld id="{339FB809-ECA4-45EA-95FF-86F7DDCC0B1C}" type="datetimeFigureOut">
               <a:rPr lang="de-CH" smtClean="0"/>
-              <a:t>24.07.2019</a:t>
+              <a:t>05.01.2021</a:t>
             </a:fld>
             <a:endParaRPr lang="de-CH"/>
           </a:p>
@@ -1483,7 +1483,7 @@
           <a:p>
             <a:fld id="{92536F4F-1F86-45E3-869B-46CDDA5D96A7}" type="slidenum">
               <a:rPr lang="de-CH" smtClean="0"/>
-              <a:t>‹Nr.›</a:t>
+              <a:t>‹#›</a:t>
             </a:fld>
             <a:endParaRPr lang="de-CH"/>
           </a:p>
@@ -1844,7 +1844,7 @@
           <a:p>
             <a:fld id="{339FB809-ECA4-45EA-95FF-86F7DDCC0B1C}" type="datetimeFigureOut">
               <a:rPr lang="de-CH" smtClean="0"/>
-              <a:t>24.07.2019</a:t>
+              <a:t>05.01.2021</a:t>
             </a:fld>
             <a:endParaRPr lang="de-CH"/>
           </a:p>
@@ -1898,7 +1898,7 @@
           <a:p>
             <a:fld id="{92536F4F-1F86-45E3-869B-46CDDA5D96A7}" type="slidenum">
               <a:rPr lang="de-CH" smtClean="0"/>
-              <a:t>‹Nr.›</a:t>
+              <a:t>‹#›</a:t>
             </a:fld>
             <a:endParaRPr lang="de-CH"/>
           </a:p>
@@ -1986,7 +1986,7 @@
           <a:p>
             <a:fld id="{339FB809-ECA4-45EA-95FF-86F7DDCC0B1C}" type="datetimeFigureOut">
               <a:rPr lang="de-CH" smtClean="0"/>
-              <a:t>24.07.2019</a:t>
+              <a:t>05.01.2021</a:t>
             </a:fld>
             <a:endParaRPr lang="de-CH"/>
           </a:p>
@@ -2040,7 +2040,7 @@
           <a:p>
             <a:fld id="{92536F4F-1F86-45E3-869B-46CDDA5D96A7}" type="slidenum">
               <a:rPr lang="de-CH" smtClean="0"/>
-              <a:t>‹Nr.›</a:t>
+              <a:t>‹#›</a:t>
             </a:fld>
             <a:endParaRPr lang="de-CH"/>
           </a:p>
@@ -2099,7 +2099,7 @@
           <a:p>
             <a:fld id="{339FB809-ECA4-45EA-95FF-86F7DDCC0B1C}" type="datetimeFigureOut">
               <a:rPr lang="de-CH" smtClean="0"/>
-              <a:t>24.07.2019</a:t>
+              <a:t>05.01.2021</a:t>
             </a:fld>
             <a:endParaRPr lang="de-CH"/>
           </a:p>
@@ -2153,7 +2153,7 @@
           <a:p>
             <a:fld id="{92536F4F-1F86-45E3-869B-46CDDA5D96A7}" type="slidenum">
               <a:rPr lang="de-CH" smtClean="0"/>
-              <a:t>‹Nr.›</a:t>
+              <a:t>‹#›</a:t>
             </a:fld>
             <a:endParaRPr lang="de-CH"/>
           </a:p>
@@ -2412,7 +2412,7 @@
           <a:p>
             <a:fld id="{339FB809-ECA4-45EA-95FF-86F7DDCC0B1C}" type="datetimeFigureOut">
               <a:rPr lang="de-CH" smtClean="0"/>
-              <a:t>24.07.2019</a:t>
+              <a:t>05.01.2021</a:t>
             </a:fld>
             <a:endParaRPr lang="de-CH"/>
           </a:p>
@@ -2466,7 +2466,7 @@
           <a:p>
             <a:fld id="{92536F4F-1F86-45E3-869B-46CDDA5D96A7}" type="slidenum">
               <a:rPr lang="de-CH" smtClean="0"/>
-              <a:t>‹Nr.›</a:t>
+              <a:t>‹#›</a:t>
             </a:fld>
             <a:endParaRPr lang="de-CH"/>
           </a:p>
@@ -2701,7 +2701,7 @@
           <a:p>
             <a:fld id="{339FB809-ECA4-45EA-95FF-86F7DDCC0B1C}" type="datetimeFigureOut">
               <a:rPr lang="de-CH" smtClean="0"/>
-              <a:t>24.07.2019</a:t>
+              <a:t>05.01.2021</a:t>
             </a:fld>
             <a:endParaRPr lang="de-CH"/>
           </a:p>
@@ -2755,7 +2755,7 @@
           <a:p>
             <a:fld id="{92536F4F-1F86-45E3-869B-46CDDA5D96A7}" type="slidenum">
               <a:rPr lang="de-CH" smtClean="0"/>
-              <a:t>‹Nr.›</a:t>
+              <a:t>‹#›</a:t>
             </a:fld>
             <a:endParaRPr lang="de-CH"/>
           </a:p>
@@ -2944,7 +2944,7 @@
           <a:p>
             <a:fld id="{339FB809-ECA4-45EA-95FF-86F7DDCC0B1C}" type="datetimeFigureOut">
               <a:rPr lang="de-CH" smtClean="0"/>
-              <a:t>24.07.2019</a:t>
+              <a:t>05.01.2021</a:t>
             </a:fld>
             <a:endParaRPr lang="de-CH"/>
           </a:p>
@@ -3034,7 +3034,7 @@
           <a:p>
             <a:fld id="{92536F4F-1F86-45E3-869B-46CDDA5D96A7}" type="slidenum">
               <a:rPr lang="de-CH" smtClean="0"/>
-              <a:t>‹Nr.›</a:t>
+              <a:t>‹#›</a:t>
             </a:fld>
             <a:endParaRPr lang="de-CH"/>
           </a:p>
@@ -3376,9 +3376,9 @@
         <p:grpSpPr>
           <a:xfrm>
             <a:off x="606642" y="1570883"/>
-            <a:ext cx="10083461" cy="647886"/>
+            <a:ext cx="10096052" cy="647886"/>
             <a:chOff x="606642" y="1570883"/>
-            <a:chExt cx="10083461" cy="647886"/>
+            <a:chExt cx="10096052" cy="647886"/>
           </a:xfrm>
         </p:grpSpPr>
         <p:sp>
@@ -3442,52 +3442,6 @@
           <p:spPr>
             <a:xfrm>
               <a:off x="5455583" y="1570883"/>
-              <a:ext cx="390617" cy="639192"/>
-            </a:xfrm>
-            <a:prstGeom prst="flowChartDecision">
-              <a:avLst/>
-            </a:prstGeom>
-          </p:spPr>
-          <p:style>
-            <a:lnRef idx="2">
-              <a:schemeClr val="accent1">
-                <a:shade val="50000"/>
-              </a:schemeClr>
-            </a:lnRef>
-            <a:fillRef idx="1">
-              <a:schemeClr val="accent1"/>
-            </a:fillRef>
-            <a:effectRef idx="0">
-              <a:schemeClr val="accent1"/>
-            </a:effectRef>
-            <a:fontRef idx="minor">
-              <a:schemeClr val="lt1"/>
-            </a:fontRef>
-          </p:style>
-          <p:txBody>
-            <a:bodyPr rtlCol="0" anchor="ctr"/>
-            <a:lstStyle/>
-            <a:p>
-              <a:pPr algn="ctr"/>
-              <a:endParaRPr lang="de-CH"/>
-            </a:p>
-          </p:txBody>
-        </p:sp>
-        <p:sp>
-          <p:nvSpPr>
-            <p:cNvPr id="6" name="Flussdiagramm: Verzweigung 5">
-              <a:extLst>
-                <a:ext uri="{FF2B5EF4-FFF2-40B4-BE49-F238E27FC236}">
-                  <a16:creationId xmlns:a16="http://schemas.microsoft.com/office/drawing/2014/main" id="{81D21DCF-6581-4A06-8877-1A518F8522DD}"/>
-                </a:ext>
-              </a:extLst>
-            </p:cNvPr>
-            <p:cNvSpPr/>
-            <p:nvPr/>
-          </p:nvSpPr>
-          <p:spPr>
-            <a:xfrm>
-              <a:off x="10299486" y="1579576"/>
               <a:ext cx="390617" cy="639192"/>
             </a:xfrm>
             <a:prstGeom prst="flowChartDecision">
@@ -3802,17 +3756,14 @@
           </p:nvSpPr>
           <p:spPr>
             <a:xfrm>
-              <a:off x="8269360" y="1655220"/>
+              <a:off x="8680065" y="1667328"/>
               <a:ext cx="2022629" cy="470517"/>
             </a:xfrm>
             <a:prstGeom prst="rect">
               <a:avLst/>
             </a:prstGeom>
             <a:solidFill>
-              <a:schemeClr val="accent1">
-                <a:lumMod val="40000"/>
-                <a:lumOff val="60000"/>
-              </a:schemeClr>
+              <a:srgbClr val="E2EAF6"/>
             </a:solidFill>
           </p:spPr>
           <p:style>
@@ -3839,7 +3790,9 @@
               <a:r>
                 <a:rPr lang="de-CH" b="1" dirty="0">
                   <a:solidFill>
-                    <a:schemeClr val="tx1"/>
+                    <a:schemeClr val="bg2">
+                      <a:lumMod val="75000"/>
+                    </a:schemeClr>
                   </a:solidFill>
                 </a:rPr>
                 <a:t>Einführung</a:t>
@@ -3934,13 +3887,15 @@
               </a:ext>
             </a:extLst>
           </p:cNvPr>
-          <p:cNvCxnSpPr/>
+          <p:cNvCxnSpPr>
+            <a:cxnSpLocks/>
+          </p:cNvCxnSpPr>
           <p:nvPr/>
         </p:nvCxnSpPr>
         <p:spPr>
-          <a:xfrm>
-            <a:off x="10504720" y="902825"/>
-            <a:ext cx="0" cy="567160"/>
+          <a:xfrm flipV="1">
+            <a:off x="8452964" y="2222245"/>
+            <a:ext cx="0" cy="611693"/>
           </a:xfrm>
           <a:prstGeom prst="straightConnector1">
             <a:avLst/>
@@ -3981,7 +3936,7 @@
         </p:nvSpPr>
         <p:spPr>
           <a:xfrm>
-            <a:off x="9870018" y="601808"/>
+            <a:off x="7824242" y="2768957"/>
             <a:ext cx="1271454" cy="276999"/>
           </a:xfrm>
           <a:prstGeom prst="rect">
@@ -4247,85 +4202,6 @@
             <a:r>
               <a:rPr lang="de-CH" sz="1200" dirty="0"/>
               <a:t>Realisierung</a:t>
-            </a:r>
-          </a:p>
-        </p:txBody>
-      </p:sp>
-      <p:cxnSp>
-        <p:nvCxnSpPr>
-          <p:cNvPr id="33" name="Gerade Verbindung mit Pfeil 32">
-            <a:extLst>
-              <a:ext uri="{FF2B5EF4-FFF2-40B4-BE49-F238E27FC236}">
-                <a16:creationId xmlns:a16="http://schemas.microsoft.com/office/drawing/2014/main" id="{7376371C-5A63-4E17-A2C5-8CDA57EF2036}"/>
-              </a:ext>
-            </a:extLst>
-          </p:cNvPr>
-          <p:cNvCxnSpPr>
-            <a:cxnSpLocks/>
-          </p:cNvCxnSpPr>
-          <p:nvPr/>
-        </p:nvCxnSpPr>
-        <p:spPr>
-          <a:xfrm flipV="1">
-            <a:off x="2757228" y="2457801"/>
-            <a:ext cx="0" cy="588155"/>
-          </a:xfrm>
-          <a:prstGeom prst="straightConnector1">
-            <a:avLst/>
-          </a:prstGeom>
-          <a:ln w="9525">
-            <a:solidFill>
-              <a:srgbClr val="FF0000"/>
-            </a:solidFill>
-            <a:tailEnd type="triangle"/>
-          </a:ln>
-        </p:spPr>
-        <p:style>
-          <a:lnRef idx="1">
-            <a:schemeClr val="accent1"/>
-          </a:lnRef>
-          <a:fillRef idx="0">
-            <a:schemeClr val="accent1"/>
-          </a:fillRef>
-          <a:effectRef idx="0">
-            <a:schemeClr val="accent1"/>
-          </a:effectRef>
-          <a:fontRef idx="minor">
-            <a:schemeClr val="tx1"/>
-          </a:fontRef>
-        </p:style>
-      </p:cxnSp>
-      <p:sp>
-        <p:nvSpPr>
-          <p:cNvPr id="35" name="Textfeld 34">
-            <a:extLst>
-              <a:ext uri="{FF2B5EF4-FFF2-40B4-BE49-F238E27FC236}">
-                <a16:creationId xmlns:a16="http://schemas.microsoft.com/office/drawing/2014/main" id="{2CBE46F8-6341-4988-BE6F-501A9F57BECC}"/>
-              </a:ext>
-            </a:extLst>
-          </p:cNvPr>
-          <p:cNvSpPr txBox="1"/>
-          <p:nvPr/>
-        </p:nvSpPr>
-        <p:spPr>
-          <a:xfrm>
-            <a:off x="2393729" y="3115767"/>
-            <a:ext cx="1080493" cy="461665"/>
-          </a:xfrm>
-          <a:prstGeom prst="rect">
-            <a:avLst/>
-          </a:prstGeom>
-          <a:noFill/>
-        </p:spPr>
-        <p:txBody>
-          <a:bodyPr wrap="square" rtlCol="0">
-            <a:spAutoFit/>
-          </a:bodyPr>
-          <a:lstStyle/>
-          <a:p>
-            <a:r>
-              <a:rPr lang="de-CH" sz="1200" dirty="0"/>
-              <a:t>Varianten-entscheid</a:t>
             </a:r>
           </a:p>
         </p:txBody>
@@ -4388,7 +4264,7 @@
         </p:nvSpPr>
         <p:spPr>
           <a:xfrm>
-            <a:off x="7259890" y="3098012"/>
+            <a:off x="7066533" y="3108680"/>
             <a:ext cx="1080493" cy="461665"/>
           </a:xfrm>
           <a:prstGeom prst="rect">
@@ -4417,10 +4293,10 @@
       </p:sp>
       <p:sp>
         <p:nvSpPr>
-          <p:cNvPr id="38" name="Flussdiagramm: Verzweigung 37">
-            <a:extLst>
-              <a:ext uri="{FF2B5EF4-FFF2-40B4-BE49-F238E27FC236}">
-                <a16:creationId xmlns:a16="http://schemas.microsoft.com/office/drawing/2014/main" id="{8CF60AB6-2DF1-4FA7-9BEB-C6A5707CDB52}"/>
+          <p:cNvPr id="39" name="Flussdiagramm: Verzweigung 38">
+            <a:extLst>
+              <a:ext uri="{FF2B5EF4-FFF2-40B4-BE49-F238E27FC236}">
+                <a16:creationId xmlns:a16="http://schemas.microsoft.com/office/drawing/2014/main" id="{0D0ED65E-DA1B-4422-B5C1-F594F7FC7ACD}"/>
               </a:ext>
             </a:extLst>
           </p:cNvPr>
@@ -4429,7 +4305,7 @@
         </p:nvSpPr>
         <p:spPr>
           <a:xfrm>
-            <a:off x="2639387" y="2005657"/>
+            <a:off x="7480530" y="2003628"/>
             <a:ext cx="230825" cy="391449"/>
           </a:xfrm>
           <a:prstGeom prst="flowChartDecision">
@@ -4463,10 +4339,10 @@
       </p:sp>
       <p:sp>
         <p:nvSpPr>
-          <p:cNvPr id="39" name="Flussdiagramm: Verzweigung 38">
-            <a:extLst>
-              <a:ext uri="{FF2B5EF4-FFF2-40B4-BE49-F238E27FC236}">
-                <a16:creationId xmlns:a16="http://schemas.microsoft.com/office/drawing/2014/main" id="{0D0ED65E-DA1B-4422-B5C1-F594F7FC7ACD}"/>
+          <p:cNvPr id="34" name="Flussdiagramm: Verzweigung 5">
+            <a:extLst>
+              <a:ext uri="{FF2B5EF4-FFF2-40B4-BE49-F238E27FC236}">
+                <a16:creationId xmlns:a16="http://schemas.microsoft.com/office/drawing/2014/main" id="{5ADA4431-A320-4DE0-ACF2-C130A860A130}"/>
               </a:ext>
             </a:extLst>
           </p:cNvPr>
@@ -4475,7 +4351,257 @@
         </p:nvSpPr>
         <p:spPr>
           <a:xfrm>
-            <a:off x="7480530" y="2003628"/>
+            <a:off x="8259446" y="1579576"/>
+            <a:ext cx="390617" cy="639192"/>
+          </a:xfrm>
+          <a:prstGeom prst="flowChartDecision">
+            <a:avLst/>
+          </a:prstGeom>
+        </p:spPr>
+        <p:style>
+          <a:lnRef idx="2">
+            <a:schemeClr val="accent1">
+              <a:shade val="50000"/>
+            </a:schemeClr>
+          </a:lnRef>
+          <a:fillRef idx="1">
+            <a:schemeClr val="accent1"/>
+          </a:fillRef>
+          <a:effectRef idx="0">
+            <a:schemeClr val="accent1"/>
+          </a:effectRef>
+          <a:fontRef idx="minor">
+            <a:schemeClr val="lt1"/>
+          </a:fontRef>
+        </p:style>
+        <p:txBody>
+          <a:bodyPr rtlCol="0" anchor="ctr"/>
+          <a:lstStyle/>
+          <a:p>
+            <a:pPr algn="ctr"/>
+            <a:endParaRPr lang="de-CH" dirty="0"/>
+          </a:p>
+        </p:txBody>
+      </p:sp>
+      <p:cxnSp>
+        <p:nvCxnSpPr>
+          <p:cNvPr id="40" name="Gerade Verbindung mit Pfeil 32">
+            <a:extLst>
+              <a:ext uri="{FF2B5EF4-FFF2-40B4-BE49-F238E27FC236}">
+                <a16:creationId xmlns:a16="http://schemas.microsoft.com/office/drawing/2014/main" id="{5C5D542F-5E7C-40DE-8A17-5D675FCED2A1}"/>
+              </a:ext>
+            </a:extLst>
+          </p:cNvPr>
+          <p:cNvCxnSpPr>
+            <a:cxnSpLocks/>
+          </p:cNvCxnSpPr>
+          <p:nvPr/>
+        </p:nvCxnSpPr>
+        <p:spPr>
+          <a:xfrm flipV="1">
+            <a:off x="4682944" y="2390850"/>
+            <a:ext cx="0" cy="588155"/>
+          </a:xfrm>
+          <a:prstGeom prst="straightConnector1">
+            <a:avLst/>
+          </a:prstGeom>
+          <a:ln w="9525">
+            <a:solidFill>
+              <a:srgbClr val="FF0000"/>
+            </a:solidFill>
+            <a:tailEnd type="triangle"/>
+          </a:ln>
+        </p:spPr>
+        <p:style>
+          <a:lnRef idx="1">
+            <a:schemeClr val="accent1"/>
+          </a:lnRef>
+          <a:fillRef idx="0">
+            <a:schemeClr val="accent1"/>
+          </a:fillRef>
+          <a:effectRef idx="0">
+            <a:schemeClr val="accent1"/>
+          </a:effectRef>
+          <a:fontRef idx="minor">
+            <a:schemeClr val="tx1"/>
+          </a:fontRef>
+        </p:style>
+      </p:cxnSp>
+      <p:sp>
+        <p:nvSpPr>
+          <p:cNvPr id="41" name="Textfeld 34">
+            <a:extLst>
+              <a:ext uri="{FF2B5EF4-FFF2-40B4-BE49-F238E27FC236}">
+                <a16:creationId xmlns:a16="http://schemas.microsoft.com/office/drawing/2014/main" id="{40B19EC4-5799-48D6-8972-2C8F38FB7DE2}"/>
+              </a:ext>
+            </a:extLst>
+          </p:cNvPr>
+          <p:cNvSpPr txBox="1"/>
+          <p:nvPr/>
+        </p:nvSpPr>
+        <p:spPr>
+          <a:xfrm>
+            <a:off x="4140268" y="3048867"/>
+            <a:ext cx="1080493" cy="461665"/>
+          </a:xfrm>
+          <a:prstGeom prst="rect">
+            <a:avLst/>
+          </a:prstGeom>
+          <a:noFill/>
+        </p:spPr>
+        <p:txBody>
+          <a:bodyPr wrap="square" rtlCol="0">
+            <a:spAutoFit/>
+          </a:bodyPr>
+          <a:lstStyle/>
+          <a:p>
+            <a:r>
+              <a:rPr lang="de-CH" sz="1200" dirty="0"/>
+              <a:t>Testkonzept erstellen</a:t>
+            </a:r>
+          </a:p>
+        </p:txBody>
+      </p:sp>
+      <p:sp>
+        <p:nvSpPr>
+          <p:cNvPr id="42" name="Flussdiagramm: Verzweigung 37">
+            <a:extLst>
+              <a:ext uri="{FF2B5EF4-FFF2-40B4-BE49-F238E27FC236}">
+                <a16:creationId xmlns:a16="http://schemas.microsoft.com/office/drawing/2014/main" id="{BCBD1793-E1B5-411C-A281-B6EBE35C8738}"/>
+              </a:ext>
+            </a:extLst>
+          </p:cNvPr>
+          <p:cNvSpPr/>
+          <p:nvPr/>
+        </p:nvSpPr>
+        <p:spPr>
+          <a:xfrm>
+            <a:off x="4565103" y="1938706"/>
+            <a:ext cx="230825" cy="391449"/>
+          </a:xfrm>
+          <a:prstGeom prst="flowChartDecision">
+            <a:avLst/>
+          </a:prstGeom>
+        </p:spPr>
+        <p:style>
+          <a:lnRef idx="2">
+            <a:schemeClr val="accent1">
+              <a:shade val="50000"/>
+            </a:schemeClr>
+          </a:lnRef>
+          <a:fillRef idx="1">
+            <a:schemeClr val="accent1"/>
+          </a:fillRef>
+          <a:effectRef idx="0">
+            <a:schemeClr val="accent1"/>
+          </a:effectRef>
+          <a:fontRef idx="minor">
+            <a:schemeClr val="lt1"/>
+          </a:fontRef>
+        </p:style>
+        <p:txBody>
+          <a:bodyPr rtlCol="0" anchor="ctr"/>
+          <a:lstStyle/>
+          <a:p>
+            <a:pPr algn="ctr"/>
+            <a:endParaRPr lang="de-CH"/>
+          </a:p>
+        </p:txBody>
+      </p:sp>
+      <p:cxnSp>
+        <p:nvCxnSpPr>
+          <p:cNvPr id="43" name="Gerade Verbindung mit Pfeil 32">
+            <a:extLst>
+              <a:ext uri="{FF2B5EF4-FFF2-40B4-BE49-F238E27FC236}">
+                <a16:creationId xmlns:a16="http://schemas.microsoft.com/office/drawing/2014/main" id="{A2BA9371-FBCC-4974-B451-C6F0BF0C6CF3}"/>
+              </a:ext>
+            </a:extLst>
+          </p:cNvPr>
+          <p:cNvCxnSpPr>
+            <a:cxnSpLocks/>
+          </p:cNvCxnSpPr>
+          <p:nvPr/>
+        </p:nvCxnSpPr>
+        <p:spPr>
+          <a:xfrm flipV="1">
+            <a:off x="5286953" y="2390850"/>
+            <a:ext cx="1" cy="1316035"/>
+          </a:xfrm>
+          <a:prstGeom prst="straightConnector1">
+            <a:avLst/>
+          </a:prstGeom>
+          <a:ln w="9525">
+            <a:solidFill>
+              <a:srgbClr val="FF0000"/>
+            </a:solidFill>
+            <a:tailEnd type="triangle"/>
+          </a:ln>
+        </p:spPr>
+        <p:style>
+          <a:lnRef idx="1">
+            <a:schemeClr val="accent1"/>
+          </a:lnRef>
+          <a:fillRef idx="0">
+            <a:schemeClr val="accent1"/>
+          </a:fillRef>
+          <a:effectRef idx="0">
+            <a:schemeClr val="accent1"/>
+          </a:effectRef>
+          <a:fontRef idx="minor">
+            <a:schemeClr val="tx1"/>
+          </a:fontRef>
+        </p:style>
+      </p:cxnSp>
+      <p:sp>
+        <p:nvSpPr>
+          <p:cNvPr id="44" name="Textfeld 34">
+            <a:extLst>
+              <a:ext uri="{FF2B5EF4-FFF2-40B4-BE49-F238E27FC236}">
+                <a16:creationId xmlns:a16="http://schemas.microsoft.com/office/drawing/2014/main" id="{C59FD16B-52B5-4689-A518-EBCF9D22ED86}"/>
+              </a:ext>
+            </a:extLst>
+          </p:cNvPr>
+          <p:cNvSpPr txBox="1"/>
+          <p:nvPr/>
+        </p:nvSpPr>
+        <p:spPr>
+          <a:xfrm>
+            <a:off x="4763785" y="3770440"/>
+            <a:ext cx="1080493" cy="461665"/>
+          </a:xfrm>
+          <a:prstGeom prst="rect">
+            <a:avLst/>
+          </a:prstGeom>
+          <a:noFill/>
+        </p:spPr>
+        <p:txBody>
+          <a:bodyPr wrap="square" rtlCol="0">
+            <a:spAutoFit/>
+          </a:bodyPr>
+          <a:lstStyle/>
+          <a:p>
+            <a:r>
+              <a:rPr lang="de-CH" sz="1200" dirty="0"/>
+              <a:t>ISDS-Konzept erstellen</a:t>
+            </a:r>
+          </a:p>
+        </p:txBody>
+      </p:sp>
+      <p:sp>
+        <p:nvSpPr>
+          <p:cNvPr id="45" name="Flussdiagramm: Verzweigung 37">
+            <a:extLst>
+              <a:ext uri="{FF2B5EF4-FFF2-40B4-BE49-F238E27FC236}">
+                <a16:creationId xmlns:a16="http://schemas.microsoft.com/office/drawing/2014/main" id="{4B56BFD8-30D9-4D82-A308-1A754E460B8F}"/>
+              </a:ext>
+            </a:extLst>
+          </p:cNvPr>
+          <p:cNvSpPr/>
+          <p:nvPr/>
+        </p:nvSpPr>
+        <p:spPr>
+          <a:xfrm>
+            <a:off x="5174180" y="1935846"/>
             <a:ext cx="230825" cy="391449"/>
           </a:xfrm>
           <a:prstGeom prst="flowChartDecision">
